--- a/Inserte nombre aquí-.pptx
+++ b/Inserte nombre aquí-.pptx
@@ -9,6 +9,7 @@
     <p:sldId id="257" r:id="rId3"/>
     <p:sldId id="258" r:id="rId4"/>
     <p:sldId id="259" r:id="rId5"/>
+    <p:sldId id="260" r:id="rId6"/>
   </p:sldIdLst>
   <p:sldSz cx="12192000" cy="6858000"/>
   <p:notesSz cx="6858000" cy="9144000"/>
@@ -107,6 +108,11 @@
       </a:defRPr>
     </a:lvl9pPr>
   </p:defaultTextStyle>
+  <p:extLst>
+    <p:ext uri="{EFAFB233-063F-42B5-8137-9DF3F51BA10A}">
+      <p15:sldGuideLst xmlns:p15="http://schemas.microsoft.com/office/powerpoint/2012/main"/>
+    </p:ext>
+  </p:extLst>
 </p:presentation>
 </file>
 
@@ -241,7 +247,7 @@
           <a:p>
             <a:fld id="{70032AF0-845F-4517-9ADE-1F12AAC96E98}" type="datetimeFigureOut">
               <a:rPr lang="es-MX" smtClean="0"/>
-              <a:t>09/09/2016</a:t>
+              <a:t>11/09/2016</a:t>
             </a:fld>
             <a:endParaRPr lang="es-MX"/>
           </a:p>
@@ -411,7 +417,7 @@
           <a:p>
             <a:fld id="{70032AF0-845F-4517-9ADE-1F12AAC96E98}" type="datetimeFigureOut">
               <a:rPr lang="es-MX" smtClean="0"/>
-              <a:t>09/09/2016</a:t>
+              <a:t>11/09/2016</a:t>
             </a:fld>
             <a:endParaRPr lang="es-MX"/>
           </a:p>
@@ -591,7 +597,7 @@
           <a:p>
             <a:fld id="{70032AF0-845F-4517-9ADE-1F12AAC96E98}" type="datetimeFigureOut">
               <a:rPr lang="es-MX" smtClean="0"/>
-              <a:t>09/09/2016</a:t>
+              <a:t>11/09/2016</a:t>
             </a:fld>
             <a:endParaRPr lang="es-MX"/>
           </a:p>
@@ -761,7 +767,7 @@
           <a:p>
             <a:fld id="{70032AF0-845F-4517-9ADE-1F12AAC96E98}" type="datetimeFigureOut">
               <a:rPr lang="es-MX" smtClean="0"/>
-              <a:t>09/09/2016</a:t>
+              <a:t>11/09/2016</a:t>
             </a:fld>
             <a:endParaRPr lang="es-MX"/>
           </a:p>
@@ -1007,7 +1013,7 @@
           <a:p>
             <a:fld id="{70032AF0-845F-4517-9ADE-1F12AAC96E98}" type="datetimeFigureOut">
               <a:rPr lang="es-MX" smtClean="0"/>
-              <a:t>09/09/2016</a:t>
+              <a:t>11/09/2016</a:t>
             </a:fld>
             <a:endParaRPr lang="es-MX"/>
           </a:p>
@@ -1239,7 +1245,7 @@
           <a:p>
             <a:fld id="{70032AF0-845F-4517-9ADE-1F12AAC96E98}" type="datetimeFigureOut">
               <a:rPr lang="es-MX" smtClean="0"/>
-              <a:t>09/09/2016</a:t>
+              <a:t>11/09/2016</a:t>
             </a:fld>
             <a:endParaRPr lang="es-MX"/>
           </a:p>
@@ -1606,7 +1612,7 @@
           <a:p>
             <a:fld id="{70032AF0-845F-4517-9ADE-1F12AAC96E98}" type="datetimeFigureOut">
               <a:rPr lang="es-MX" smtClean="0"/>
-              <a:t>09/09/2016</a:t>
+              <a:t>11/09/2016</a:t>
             </a:fld>
             <a:endParaRPr lang="es-MX"/>
           </a:p>
@@ -1724,7 +1730,7 @@
           <a:p>
             <a:fld id="{70032AF0-845F-4517-9ADE-1F12AAC96E98}" type="datetimeFigureOut">
               <a:rPr lang="es-MX" smtClean="0"/>
-              <a:t>09/09/2016</a:t>
+              <a:t>11/09/2016</a:t>
             </a:fld>
             <a:endParaRPr lang="es-MX"/>
           </a:p>
@@ -1819,7 +1825,7 @@
           <a:p>
             <a:fld id="{70032AF0-845F-4517-9ADE-1F12AAC96E98}" type="datetimeFigureOut">
               <a:rPr lang="es-MX" smtClean="0"/>
-              <a:t>09/09/2016</a:t>
+              <a:t>11/09/2016</a:t>
             </a:fld>
             <a:endParaRPr lang="es-MX"/>
           </a:p>
@@ -2096,7 +2102,7 @@
           <a:p>
             <a:fld id="{70032AF0-845F-4517-9ADE-1F12AAC96E98}" type="datetimeFigureOut">
               <a:rPr lang="es-MX" smtClean="0"/>
-              <a:t>09/09/2016</a:t>
+              <a:t>11/09/2016</a:t>
             </a:fld>
             <a:endParaRPr lang="es-MX"/>
           </a:p>
@@ -2353,7 +2359,7 @@
           <a:p>
             <a:fld id="{70032AF0-845F-4517-9ADE-1F12AAC96E98}" type="datetimeFigureOut">
               <a:rPr lang="es-MX" smtClean="0"/>
-              <a:t>09/09/2016</a:t>
+              <a:t>11/09/2016</a:t>
             </a:fld>
             <a:endParaRPr lang="es-MX"/>
           </a:p>
@@ -2566,7 +2572,7 @@
           <a:p>
             <a:fld id="{70032AF0-845F-4517-9ADE-1F12AAC96E98}" type="datetimeFigureOut">
               <a:rPr lang="es-MX" smtClean="0"/>
-              <a:t>09/09/2016</a:t>
+              <a:t>11/09/2016</a:t>
             </a:fld>
             <a:endParaRPr lang="es-MX"/>
           </a:p>
@@ -2981,15 +2987,27 @@
             <p:ph type="ctrTitle"/>
           </p:nvPr>
         </p:nvSpPr>
-        <p:spPr/>
-        <p:txBody>
-          <a:bodyPr/>
-          <a:lstStyle/>
-          <a:p>
-            <a:r>
-              <a:rPr lang="es-MX" dirty="0"/>
-              <a:t>-Inserte nombre aquí-</a:t>
-            </a:r>
+        <p:spPr>
+          <a:xfrm>
+            <a:off x="1457738" y="433250"/>
+            <a:ext cx="9144000" cy="2387600"/>
+          </a:xfrm>
+        </p:spPr>
+        <p:txBody>
+          <a:bodyPr>
+            <a:normAutofit/>
+          </a:bodyPr>
+          <a:lstStyle/>
+          <a:p>
+            <a:r>
+              <a:rPr lang="es-MX" sz="16600" dirty="0" err="1">
+                <a:latin typeface="ArcadeClassic" panose="00000400000000000000" pitchFamily="2" charset="0"/>
+              </a:rPr>
+              <a:t>shapes</a:t>
+            </a:r>
+            <a:endParaRPr lang="es-MX" sz="16600" dirty="0">
+              <a:latin typeface="ArcadeClassic" panose="00000400000000000000" pitchFamily="2" charset="0"/>
+            </a:endParaRPr>
           </a:p>
         </p:txBody>
       </p:sp>
@@ -3003,47 +3021,98 @@
             <p:ph type="subTitle" idx="1"/>
           </p:nvPr>
         </p:nvSpPr>
-        <p:spPr/>
+        <p:spPr>
+          <a:xfrm>
+            <a:off x="1523999" y="5166483"/>
+            <a:ext cx="9011479" cy="1552367"/>
+          </a:xfrm>
+        </p:spPr>
         <p:txBody>
           <a:bodyPr>
-            <a:normAutofit fontScale="55000" lnSpcReduction="20000"/>
+            <a:normAutofit fontScale="47500" lnSpcReduction="20000"/>
           </a:bodyPr>
           <a:lstStyle/>
           <a:p>
             <a:r>
-              <a:rPr lang="es-MX" dirty="0"/>
-              <a:t>12 de septiembre del 2016</a:t>
-            </a:r>
-          </a:p>
-          <a:p>
-            <a:r>
-              <a:rPr lang="es-MX" dirty="0"/>
+              <a:rPr lang="es-MX" sz="5600" dirty="0">
+                <a:latin typeface="Hyperspace" panose="02000500000000000000" pitchFamily="2" charset="0"/>
+                <a:ea typeface="Atari Font Full Version" panose="02000604000000000000" pitchFamily="2" charset="-128"/>
+              </a:rPr>
+              <a:t>12/09/2016</a:t>
+            </a:r>
+          </a:p>
+          <a:p>
+            <a:r>
+              <a:rPr lang="es-MX" sz="5600" dirty="0">
+                <a:latin typeface="Hyperspace" panose="02000500000000000000" pitchFamily="2" charset="0"/>
+                <a:ea typeface="Atari Font Full Version" panose="02000604000000000000" pitchFamily="2" charset="-128"/>
+              </a:rPr>
               <a:t>Programación Orientada a Objetos</a:t>
             </a:r>
           </a:p>
           <a:p>
             <a:r>
-              <a:rPr lang="es-MX" dirty="0"/>
+              <a:rPr lang="es-MX" sz="5600" dirty="0">
+                <a:latin typeface="Hyperspace" panose="02000500000000000000" pitchFamily="2" charset="0"/>
+                <a:ea typeface="Atari Font Full Version" panose="02000604000000000000" pitchFamily="2" charset="-128"/>
+              </a:rPr>
               <a:t>Luis Fernando Gutiérrez Preciado</a:t>
             </a:r>
           </a:p>
           <a:p>
             <a:r>
-              <a:rPr lang="es-MX" dirty="0"/>
-              <a:t>Martín Roberto Linares</a:t>
-            </a:r>
-          </a:p>
-          <a:p>
-            <a:r>
-              <a:rPr lang="es-MX" dirty="0"/>
+              <a:rPr lang="es-MX" dirty="0">
+                <a:latin typeface="Hyperspace" panose="02000500000000000000" pitchFamily="2" charset="0"/>
+                <a:ea typeface="Atari Font Full Version" panose="02000604000000000000" pitchFamily="2" charset="-128"/>
+              </a:rPr>
+              <a:t> </a:t>
+            </a:r>
+          </a:p>
+        </p:txBody>
+      </p:sp>
+      <p:sp>
+        <p:nvSpPr>
+          <p:cNvPr id="4" name="CuadroTexto 3"/>
+          <p:cNvSpPr txBox="1"/>
+          <p:nvPr/>
+        </p:nvSpPr>
+        <p:spPr>
+          <a:xfrm>
+            <a:off x="3561908" y="3393502"/>
+            <a:ext cx="5068182" cy="923330"/>
+          </a:xfrm>
+          <a:prstGeom prst="rect">
+            <a:avLst/>
+          </a:prstGeom>
+          <a:noFill/>
+        </p:spPr>
+        <p:txBody>
+          <a:bodyPr wrap="none" rtlCol="0">
+            <a:spAutoFit/>
+          </a:bodyPr>
+          <a:lstStyle/>
+          <a:p>
+            <a:pPr algn="ctr"/>
+            <a:r>
+              <a:rPr lang="es-MX" dirty="0">
+                <a:latin typeface="Atari Font Full Version" panose="02000604000000000000" pitchFamily="2" charset="-128"/>
+                <a:ea typeface="Atari Font Full Version" panose="02000604000000000000" pitchFamily="2" charset="-128"/>
+              </a:rPr>
+              <a:t>Martin Roberto Linares</a:t>
+            </a:r>
+          </a:p>
+          <a:p>
+            <a:pPr algn="ctr"/>
+            <a:r>
+              <a:rPr lang="es-MX" dirty="0">
+                <a:latin typeface="Atari Font Full Version" panose="02000604000000000000" pitchFamily="2" charset="-128"/>
+                <a:ea typeface="Atari Font Full Version" panose="02000604000000000000" pitchFamily="2" charset="-128"/>
+              </a:rPr>
               <a:t>Mariana Sierra Vega</a:t>
             </a:r>
           </a:p>
           <a:p>
-            <a:r>
-              <a:rPr lang="es-MX" dirty="0"/>
-              <a:t> </a:t>
-            </a:r>
+            <a:endParaRPr lang="es-MX" dirty="0"/>
           </a:p>
         </p:txBody>
       </p:sp>
@@ -3057,6 +3126,176 @@
   <p:clrMapOvr>
     <a:masterClrMapping/>
   </p:clrMapOvr>
+  <p:timing>
+    <p:tnLst>
+      <p:par>
+        <p:cTn id="1" dur="indefinite" restart="never" nodeType="tmRoot">
+          <p:childTnLst>
+            <p:seq concurrent="1" nextAc="seek">
+              <p:cTn id="2" dur="indefinite" nodeType="mainSeq">
+                <p:childTnLst>
+                  <p:par>
+                    <p:cTn id="3" fill="hold">
+                      <p:stCondLst>
+                        <p:cond delay="indefinite"/>
+                        <p:cond evt="onBegin" delay="0">
+                          <p:tn val="2"/>
+                        </p:cond>
+                      </p:stCondLst>
+                      <p:childTnLst>
+                        <p:par>
+                          <p:cTn id="4" fill="hold">
+                            <p:stCondLst>
+                              <p:cond delay="0"/>
+                            </p:stCondLst>
+                            <p:childTnLst>
+                              <p:par>
+                                <p:cTn id="5" presetID="1" presetClass="entr" presetSubtype="0" fill="hold" grpId="0" nodeType="afterEffect">
+                                  <p:stCondLst>
+                                    <p:cond delay="0"/>
+                                  </p:stCondLst>
+                                  <p:iterate type="lt">
+                                    <p:tmAbs val="200"/>
+                                  </p:iterate>
+                                  <p:childTnLst>
+                                    <p:set>
+                                      <p:cBhvr>
+                                        <p:cTn id="6" dur="1" fill="hold">
+                                          <p:stCondLst>
+                                            <p:cond delay="0"/>
+                                          </p:stCondLst>
+                                        </p:cTn>
+                                        <p:tgtEl>
+                                          <p:spTgt spid="2"/>
+                                        </p:tgtEl>
+                                        <p:attrNameLst>
+                                          <p:attrName>style.visibility</p:attrName>
+                                        </p:attrNameLst>
+                                      </p:cBhvr>
+                                      <p:to>
+                                        <p:strVal val="visible"/>
+                                      </p:to>
+                                    </p:set>
+                                  </p:childTnLst>
+                                </p:cTn>
+                              </p:par>
+                            </p:childTnLst>
+                          </p:cTn>
+                        </p:par>
+                        <p:par>
+                          <p:cTn id="7" fill="hold">
+                            <p:stCondLst>
+                              <p:cond delay="1001"/>
+                            </p:stCondLst>
+                            <p:childTnLst>
+                              <p:par>
+                                <p:cTn id="8" presetID="1" presetClass="entr" presetSubtype="0" fill="hold" nodeType="afterEffect">
+                                  <p:stCondLst>
+                                    <p:cond delay="0"/>
+                                  </p:stCondLst>
+                                  <p:iterate type="lt">
+                                    <p:tmAbs val="100"/>
+                                  </p:iterate>
+                                  <p:childTnLst>
+                                    <p:set>
+                                      <p:cBhvr>
+                                        <p:cTn id="9" dur="1" fill="hold">
+                                          <p:stCondLst>
+                                            <p:cond delay="0"/>
+                                          </p:stCondLst>
+                                        </p:cTn>
+                                        <p:tgtEl>
+                                          <p:spTgt spid="4">
+                                            <p:txEl>
+                                              <p:pRg st="0" end="0"/>
+                                            </p:txEl>
+                                          </p:spTgt>
+                                        </p:tgtEl>
+                                        <p:attrNameLst>
+                                          <p:attrName>style.visibility</p:attrName>
+                                        </p:attrNameLst>
+                                      </p:cBhvr>
+                                      <p:to>
+                                        <p:strVal val="visible"/>
+                                      </p:to>
+                                    </p:set>
+                                  </p:childTnLst>
+                                </p:cTn>
+                              </p:par>
+                            </p:childTnLst>
+                          </p:cTn>
+                        </p:par>
+                        <p:par>
+                          <p:cTn id="10" fill="hold">
+                            <p:stCondLst>
+                              <p:cond delay="2902"/>
+                            </p:stCondLst>
+                            <p:childTnLst>
+                              <p:par>
+                                <p:cTn id="11" presetID="1" presetClass="entr" presetSubtype="0" fill="hold" nodeType="afterEffect">
+                                  <p:stCondLst>
+                                    <p:cond delay="0"/>
+                                  </p:stCondLst>
+                                  <p:iterate type="lt">
+                                    <p:tmAbs val="100"/>
+                                  </p:iterate>
+                                  <p:childTnLst>
+                                    <p:set>
+                                      <p:cBhvr>
+                                        <p:cTn id="12" dur="1" fill="hold">
+                                          <p:stCondLst>
+                                            <p:cond delay="0"/>
+                                          </p:stCondLst>
+                                        </p:cTn>
+                                        <p:tgtEl>
+                                          <p:spTgt spid="4">
+                                            <p:txEl>
+                                              <p:pRg st="1" end="1"/>
+                                            </p:txEl>
+                                          </p:spTgt>
+                                        </p:tgtEl>
+                                        <p:attrNameLst>
+                                          <p:attrName>style.visibility</p:attrName>
+                                        </p:attrNameLst>
+                                      </p:cBhvr>
+                                      <p:to>
+                                        <p:strVal val="visible"/>
+                                      </p:to>
+                                    </p:set>
+                                  </p:childTnLst>
+                                </p:cTn>
+                              </p:par>
+                            </p:childTnLst>
+                          </p:cTn>
+                        </p:par>
+                      </p:childTnLst>
+                    </p:cTn>
+                  </p:par>
+                </p:childTnLst>
+              </p:cTn>
+              <p:prevCondLst>
+                <p:cond evt="onPrev" delay="0">
+                  <p:tgtEl>
+                    <p:sldTgt/>
+                  </p:tgtEl>
+                </p:cond>
+              </p:prevCondLst>
+              <p:nextCondLst>
+                <p:cond evt="onNext" delay="0">
+                  <p:tgtEl>
+                    <p:sldTgt/>
+                  </p:tgtEl>
+                </p:cond>
+              </p:nextCondLst>
+            </p:seq>
+          </p:childTnLst>
+        </p:cTn>
+      </p:par>
+    </p:tnLst>
+    <p:bldLst>
+      <p:bldP spid="2" grpId="0"/>
+    </p:bldLst>
+  </p:timing>
 </p:sld>
 </file>
 
@@ -3087,14 +3326,29 @@
             <p:ph type="title"/>
           </p:nvPr>
         </p:nvSpPr>
-        <p:spPr/>
-        <p:txBody>
-          <a:bodyPr/>
-          <a:lstStyle/>
-          <a:p>
-            <a:r>
-              <a:rPr lang="es-MX" dirty="0"/>
-              <a:t>Descripción del Programa</a:t>
+        <p:spPr>
+          <a:xfrm>
+            <a:off x="343625" y="470453"/>
+            <a:ext cx="4911655" cy="1596887"/>
+          </a:xfrm>
+        </p:spPr>
+        <p:txBody>
+          <a:bodyPr/>
+          <a:lstStyle/>
+          <a:p>
+            <a:r>
+              <a:rPr lang="es-MX" dirty="0" err="1">
+                <a:latin typeface="Atari Font Full Version" panose="02000604000000000000" pitchFamily="2" charset="-128"/>
+                <a:ea typeface="Atari Font Full Version" panose="02000604000000000000" pitchFamily="2" charset="-128"/>
+              </a:rPr>
+              <a:t>Descripcion</a:t>
+            </a:r>
+            <a:r>
+              <a:rPr lang="es-MX" dirty="0">
+                <a:latin typeface="Atari Font Full Version" panose="02000604000000000000" pitchFamily="2" charset="-128"/>
+                <a:ea typeface="Atari Font Full Version" panose="02000604000000000000" pitchFamily="2" charset="-128"/>
+              </a:rPr>
+              <a:t> del Programa</a:t>
             </a:r>
           </a:p>
         </p:txBody>
@@ -3131,31 +3385,48 @@
             <p:ph type="body" sz="half" idx="2"/>
           </p:nvPr>
         </p:nvSpPr>
-        <p:spPr/>
-        <p:txBody>
-          <a:bodyPr/>
-          <a:lstStyle/>
-          <a:p>
-            <a:r>
-              <a:rPr lang="es-MX" dirty="0"/>
-              <a:t>Un juego multijugador 2D dónde el objetivo es esquivar los obstáculos para hacer que el oponente toque los bordes de su terreno o sus propios obstáculos. </a:t>
-            </a:r>
-          </a:p>
-          <a:p>
-            <a:r>
-              <a:rPr lang="es-MX" dirty="0"/>
-              <a:t>Es un juego tipo </a:t>
-            </a:r>
-            <a:r>
-              <a:rPr lang="es-MX" i="1" dirty="0" err="1"/>
-              <a:t>arcade</a:t>
-            </a:r>
-            <a:r>
-              <a:rPr lang="es-MX" i="1" dirty="0"/>
+        <p:spPr>
+          <a:xfrm>
+            <a:off x="555660" y="2481469"/>
+            <a:ext cx="4487587" cy="3671265"/>
+          </a:xfrm>
+        </p:spPr>
+        <p:txBody>
+          <a:bodyPr>
+            <a:normAutofit/>
+          </a:bodyPr>
+          <a:lstStyle/>
+          <a:p>
+            <a:pPr algn="just"/>
+            <a:r>
+              <a:rPr lang="es-MX" sz="2400" dirty="0">
+                <a:latin typeface="Hyperspace" panose="02000500000000000000" pitchFamily="2" charset="0"/>
+                <a:ea typeface="Atari Font Full Version" panose="02000604000000000000" pitchFamily="2" charset="-128"/>
+              </a:rPr>
+              <a:t>Un juego multijugador 2D donde el objetivo es esquivar los obstáculos para hacer que el oponente toque los bordes de su terreno o sus propios obstáculos. </a:t>
+            </a:r>
+          </a:p>
+          <a:p>
+            <a:pPr algn="just"/>
+            <a:r>
+              <a:rPr lang="es-MX" sz="2400" dirty="0">
+                <a:latin typeface="Hyperspace" panose="02000500000000000000" pitchFamily="2" charset="0"/>
+                <a:ea typeface="Atari Font Full Version" panose="02000604000000000000" pitchFamily="2" charset="-128"/>
+              </a:rPr>
+              <a:t>Es un juego tipo árcade</a:t>
+            </a:r>
+            <a:r>
+              <a:rPr lang="es-MX" sz="2400" i="1" dirty="0">
+                <a:latin typeface="Hyperspace" panose="02000500000000000000" pitchFamily="2" charset="0"/>
+                <a:ea typeface="Atari Font Full Version" panose="02000604000000000000" pitchFamily="2" charset="-128"/>
+              </a:rPr>
               <a:t>, </a:t>
             </a:r>
             <a:r>
-              <a:rPr lang="es-MX" dirty="0"/>
+              <a:rPr lang="es-MX" sz="2400" dirty="0">
+                <a:latin typeface="Hyperspace" panose="02000500000000000000" pitchFamily="2" charset="0"/>
+                <a:ea typeface="Atari Font Full Version" panose="02000604000000000000" pitchFamily="2" charset="-128"/>
+              </a:rPr>
               <a:t>fácil de usar y divertido</a:t>
             </a:r>
           </a:p>
@@ -3174,6 +3445,90 @@
   <p:clrMapOvr>
     <a:masterClrMapping/>
   </p:clrMapOvr>
+  <p:timing>
+    <p:tnLst>
+      <p:par>
+        <p:cTn id="1" dur="indefinite" restart="never" nodeType="tmRoot">
+          <p:childTnLst>
+            <p:seq concurrent="1" nextAc="seek">
+              <p:cTn id="2" dur="indefinite" nodeType="mainSeq">
+                <p:childTnLst>
+                  <p:par>
+                    <p:cTn id="3" fill="hold">
+                      <p:stCondLst>
+                        <p:cond delay="indefinite"/>
+                        <p:cond evt="onBegin" delay="0">
+                          <p:tn val="2"/>
+                        </p:cond>
+                      </p:stCondLst>
+                      <p:childTnLst>
+                        <p:par>
+                          <p:cTn id="4" fill="hold">
+                            <p:stCondLst>
+                              <p:cond delay="0"/>
+                            </p:stCondLst>
+                            <p:childTnLst>
+                              <p:par>
+                                <p:cTn id="5" presetID="1" presetClass="entr" presetSubtype="0" fill="hold" grpId="0" nodeType="afterEffect">
+                                  <p:stCondLst>
+                                    <p:cond delay="0"/>
+                                  </p:stCondLst>
+                                  <p:iterate type="lt">
+                                    <p:tmAbs val="100"/>
+                                  </p:iterate>
+                                  <p:childTnLst>
+                                    <p:set>
+                                      <p:cBhvr>
+                                        <p:cTn id="6" dur="1" fill="hold">
+                                          <p:stCondLst>
+                                            <p:cond delay="0"/>
+                                          </p:stCondLst>
+                                        </p:cTn>
+                                        <p:tgtEl>
+                                          <p:spTgt spid="2"/>
+                                        </p:tgtEl>
+                                        <p:attrNameLst>
+                                          <p:attrName>style.visibility</p:attrName>
+                                        </p:attrNameLst>
+                                      </p:cBhvr>
+                                      <p:to>
+                                        <p:strVal val="visible"/>
+                                      </p:to>
+                                    </p:set>
+                                  </p:childTnLst>
+                                </p:cTn>
+                              </p:par>
+                            </p:childTnLst>
+                          </p:cTn>
+                        </p:par>
+                      </p:childTnLst>
+                    </p:cTn>
+                  </p:par>
+                </p:childTnLst>
+              </p:cTn>
+              <p:prevCondLst>
+                <p:cond evt="onPrev" delay="0">
+                  <p:tgtEl>
+                    <p:sldTgt/>
+                  </p:tgtEl>
+                </p:cond>
+              </p:prevCondLst>
+              <p:nextCondLst>
+                <p:cond evt="onNext" delay="0">
+                  <p:tgtEl>
+                    <p:sldTgt/>
+                  </p:tgtEl>
+                </p:cond>
+              </p:nextCondLst>
+            </p:seq>
+          </p:childTnLst>
+        </p:cTn>
+      </p:par>
+    </p:tnLst>
+    <p:bldLst>
+      <p:bldP spid="2" grpId="0"/>
+    </p:bldLst>
+  </p:timing>
 </p:sld>
 </file>
 
@@ -3210,7 +3565,9 @@
           <a:lstStyle/>
           <a:p>
             <a:r>
-              <a:rPr lang="es-MX" dirty="0"/>
+              <a:rPr lang="es-MX" dirty="0">
+                <a:latin typeface="ArcadeClassic" panose="00000400000000000000" pitchFamily="2" charset="0"/>
+              </a:rPr>
               <a:t>Alcance del proyecto</a:t>
             </a:r>
           </a:p>
@@ -3229,7 +3586,7 @@
         <p:spPr/>
         <p:txBody>
           <a:bodyPr>
-            <a:normAutofit fontScale="92500" lnSpcReduction="10000"/>
+            <a:normAutofit fontScale="92500" lnSpcReduction="20000"/>
           </a:bodyPr>
           <a:lstStyle/>
           <a:p>
@@ -3241,16 +3598,41 @@
               <a:t>Establecer un </a:t>
             </a:r>
             <a:r>
+              <a:rPr lang="es-MX" dirty="0" err="1">
+                <a:latin typeface="Atari Font Full Version" panose="02000604000000000000" pitchFamily="2" charset="-128"/>
+                <a:ea typeface="Atari Font Full Version" panose="02000604000000000000" pitchFamily="2" charset="-128"/>
+              </a:rPr>
+              <a:t>area</a:t>
+            </a:r>
+            <a:r>
               <a:rPr lang="es-MX" b="1" dirty="0"/>
-              <a:t>área </a:t>
+              <a:t> </a:t>
             </a:r>
             <a:r>
               <a:rPr lang="es-MX" dirty="0"/>
-              <a:t>dónde los jugadores puedan moverse con </a:t>
+              <a:t>dónde los </a:t>
+            </a:r>
+            <a:r>
+              <a:rPr lang="es-MX" b="1" dirty="0">
+                <a:latin typeface="+mj-lt"/>
+                <a:ea typeface="Atari Font Full Version" panose="02000604000000000000" pitchFamily="2" charset="-128"/>
+              </a:rPr>
+              <a:t>jugadores</a:t>
+            </a:r>
+            <a:r>
+              <a:rPr lang="es-MX" dirty="0"/>
+              <a:t> puedan moverse con </a:t>
+            </a:r>
+            <a:r>
+              <a:rPr lang="es-MX" dirty="0" err="1">
+                <a:latin typeface="Atari Font Full Version" panose="02000604000000000000" pitchFamily="2" charset="-128"/>
+                <a:ea typeface="Atari Font Full Version" panose="02000604000000000000" pitchFamily="2" charset="-128"/>
+              </a:rPr>
+              <a:t>obstaculos</a:t>
             </a:r>
             <a:r>
               <a:rPr lang="es-MX" b="1" dirty="0"/>
-              <a:t>obstáculos </a:t>
+              <a:t> </a:t>
             </a:r>
             <a:r>
               <a:rPr lang="es-MX" dirty="0"/>
@@ -3262,7 +3644,10 @@
               <a:buNone/>
             </a:pPr>
             <a:r>
-              <a:rPr lang="es-MX" b="1" dirty="0" err="1"/>
+              <a:rPr lang="es-MX" dirty="0" err="1">
+                <a:latin typeface="Atari Font Full Version" panose="02000604000000000000" pitchFamily="2" charset="-128"/>
+                <a:ea typeface="Atari Font Full Version" panose="02000604000000000000" pitchFamily="2" charset="-128"/>
+              </a:rPr>
               <a:t>Timer</a:t>
             </a:r>
             <a:r>
@@ -3279,16 +3664,29 @@
               <a:buNone/>
             </a:pPr>
             <a:r>
-              <a:rPr lang="es-MX" b="1" dirty="0"/>
+              <a:rPr lang="es-MX" b="1" dirty="0">
+                <a:latin typeface="Atari Font Full Version" panose="02000604000000000000" pitchFamily="2" charset="-128"/>
+                <a:ea typeface="Atari Font Full Version" panose="02000604000000000000" pitchFamily="2" charset="-128"/>
+              </a:rPr>
               <a:t>Score </a:t>
             </a:r>
             <a:r>
-              <a:rPr lang="es-MX" b="1" dirty="0" err="1"/>
+              <a:rPr lang="es-MX" b="1" dirty="0" err="1">
+                <a:latin typeface="Atari Font Full Version" panose="02000604000000000000" pitchFamily="2" charset="-128"/>
+                <a:ea typeface="Atari Font Full Version" panose="02000604000000000000" pitchFamily="2" charset="-128"/>
+              </a:rPr>
               <a:t>board</a:t>
             </a:r>
             <a:r>
+              <a:rPr lang="es-MX" dirty="0">
+                <a:latin typeface="Atari Font Full Version" panose="02000604000000000000" pitchFamily="2" charset="-128"/>
+                <a:ea typeface="Atari Font Full Version" panose="02000604000000000000" pitchFamily="2" charset="-128"/>
+              </a:rPr>
+              <a:t> </a:t>
+            </a:r>
+            <a:r>
               <a:rPr lang="es-MX" dirty="0"/>
-              <a:t> que dependiendo de los obstáculos esquivados aumente o disminuya</a:t>
+              <a:t>que dependiendo de los obstáculos esquivados aumente o disminuya</a:t>
             </a:r>
           </a:p>
           <a:p>
@@ -3296,12 +3694,71 @@
               <a:buNone/>
             </a:pPr>
             <a:r>
-              <a:rPr lang="es-MX" b="1" dirty="0"/>
+              <a:rPr lang="es-MX" b="1" dirty="0">
+                <a:latin typeface="Atari Font Full Version" panose="02000604000000000000" pitchFamily="2" charset="-128"/>
+                <a:ea typeface="Atari Font Full Version" panose="02000604000000000000" pitchFamily="2" charset="-128"/>
+              </a:rPr>
               <a:t>Time </a:t>
             </a:r>
             <a:r>
-              <a:rPr lang="es-MX" b="1" dirty="0" err="1"/>
-              <a:t>bonuses</a:t>
+              <a:rPr lang="es-MX" b="1" dirty="0" err="1">
+                <a:latin typeface="Atari Font Full Version" panose="02000604000000000000" pitchFamily="2" charset="-128"/>
+                <a:ea typeface="Atari Font Full Version" panose="02000604000000000000" pitchFamily="2" charset="-128"/>
+              </a:rPr>
+              <a:t>bonus</a:t>
+            </a:r>
+            <a:r>
+              <a:rPr lang="es-MX" b="1" dirty="0">
+                <a:latin typeface="Atari Font Full Version" panose="02000604000000000000" pitchFamily="2" charset="-128"/>
+                <a:ea typeface="Atari Font Full Version" panose="02000604000000000000" pitchFamily="2" charset="-128"/>
+              </a:rPr>
+              <a:t> </a:t>
+            </a:r>
+            <a:r>
+              <a:rPr lang="es-MX" dirty="0"/>
+              <a:t>obtenidos en función del tiempo recurrido sin haber golpeado objetos</a:t>
+            </a:r>
+          </a:p>
+          <a:p>
+            <a:pPr marL="0" indent="0">
+              <a:buNone/>
+            </a:pPr>
+            <a:r>
+              <a:rPr lang="es-MX" b="1" dirty="0">
+                <a:latin typeface="Atari Font Full Version" panose="02000604000000000000" pitchFamily="2" charset="-128"/>
+                <a:ea typeface="Atari Font Full Version" panose="02000604000000000000" pitchFamily="2" charset="-128"/>
+              </a:rPr>
+              <a:t>Catch </a:t>
+            </a:r>
+            <a:r>
+              <a:rPr lang="es-MX" b="1" dirty="0" err="1">
+                <a:latin typeface="Atari Font Full Version" panose="02000604000000000000" pitchFamily="2" charset="-128"/>
+                <a:ea typeface="Atari Font Full Version" panose="02000604000000000000" pitchFamily="2" charset="-128"/>
+              </a:rPr>
+              <a:t>bonus</a:t>
+            </a:r>
+            <a:r>
+              <a:rPr lang="es-MX" b="1" dirty="0">
+                <a:latin typeface="Atari Font Full Version" panose="02000604000000000000" pitchFamily="2" charset="-128"/>
+                <a:ea typeface="Atari Font Full Version" panose="02000604000000000000" pitchFamily="2" charset="-128"/>
+              </a:rPr>
+              <a:t> </a:t>
+            </a:r>
+            <a:r>
+              <a:rPr lang="es-MX" dirty="0"/>
+              <a:t>obtenidos aleatoriamente</a:t>
+            </a:r>
+          </a:p>
+          <a:p>
+            <a:pPr marL="0" indent="0">
+              <a:buNone/>
+            </a:pPr>
+            <a:r>
+              <a:rPr lang="es-MX" b="1" dirty="0">
+                <a:latin typeface="Atari Font Full Version" panose="02000604000000000000" pitchFamily="2" charset="-128"/>
+                <a:ea typeface="Atari Font Full Version" panose="02000604000000000000" pitchFamily="2" charset="-128"/>
+              </a:rPr>
+              <a:t>Multijugador</a:t>
             </a:r>
             <a:r>
               <a:rPr lang="es-MX" b="1" dirty="0"/>
@@ -3309,7 +3766,7 @@
             </a:r>
             <a:r>
               <a:rPr lang="es-MX" dirty="0"/>
-              <a:t>obtenidos en función del tiempo recurrido sin haber golpeado objetos</a:t>
+              <a:t>conectados en vía LAN o en una sola computadora</a:t>
             </a:r>
           </a:p>
           <a:p>
@@ -3317,46 +3774,22 @@
               <a:buNone/>
             </a:pPr>
             <a:r>
-              <a:rPr lang="es-MX" b="1" dirty="0"/>
-              <a:t>Catch </a:t>
-            </a:r>
-            <a:r>
-              <a:rPr lang="es-MX" b="1" dirty="0" err="1"/>
-              <a:t>bonus</a:t>
-            </a:r>
-            <a:r>
-              <a:rPr lang="es-MX" b="1" dirty="0"/>
+              <a:rPr lang="es-MX" b="1" dirty="0">
+                <a:latin typeface="Atari Font Full Version" panose="02000604000000000000" pitchFamily="2" charset="-128"/>
+                <a:ea typeface="Atari Font Full Version" panose="02000604000000000000" pitchFamily="2" charset="-128"/>
+              </a:rPr>
+              <a:t>Cambio de forma</a:t>
+            </a:r>
+            <a:r>
+              <a:rPr lang="es-MX" dirty="0">
+                <a:latin typeface="Atari Font Full Version" panose="02000604000000000000" pitchFamily="2" charset="-128"/>
+                <a:ea typeface="Atari Font Full Version" panose="02000604000000000000" pitchFamily="2" charset="-128"/>
+              </a:rPr>
               <a:t> </a:t>
             </a:r>
             <a:r>
               <a:rPr lang="es-MX" dirty="0"/>
-              <a:t>obtenidos aleatoriamente</a:t>
-            </a:r>
-          </a:p>
-          <a:p>
-            <a:pPr marL="0" indent="0">
-              <a:buNone/>
-            </a:pPr>
-            <a:r>
-              <a:rPr lang="es-MX" b="1" dirty="0"/>
-              <a:t>Multijugador </a:t>
-            </a:r>
-            <a:r>
-              <a:rPr lang="es-MX" dirty="0"/>
-              <a:t>conectados en vía LAN o en una sola computadora</a:t>
-            </a:r>
-          </a:p>
-          <a:p>
-            <a:pPr marL="0" indent="0">
-              <a:buNone/>
-            </a:pPr>
-            <a:r>
-              <a:rPr lang="es-MX" b="1" dirty="0"/>
-              <a:t>Cambio de forma</a:t>
-            </a:r>
-            <a:r>
-              <a:rPr lang="es-MX" dirty="0"/>
-              <a:t> de la figura dependiendo del tiempo transcurrido sin perder</a:t>
+              <a:t>de la figura dependiendo del tiempo transcurrido sin perder</a:t>
             </a:r>
           </a:p>
           <a:p>
@@ -3374,6 +3807,90 @@
   <p:clrMapOvr>
     <a:masterClrMapping/>
   </p:clrMapOvr>
+  <p:timing>
+    <p:tnLst>
+      <p:par>
+        <p:cTn id="1" dur="indefinite" restart="never" nodeType="tmRoot">
+          <p:childTnLst>
+            <p:seq concurrent="1" nextAc="seek">
+              <p:cTn id="2" dur="indefinite" nodeType="mainSeq">
+                <p:childTnLst>
+                  <p:par>
+                    <p:cTn id="3" fill="hold">
+                      <p:stCondLst>
+                        <p:cond delay="indefinite"/>
+                        <p:cond evt="onBegin" delay="0">
+                          <p:tn val="2"/>
+                        </p:cond>
+                      </p:stCondLst>
+                      <p:childTnLst>
+                        <p:par>
+                          <p:cTn id="4" fill="hold">
+                            <p:stCondLst>
+                              <p:cond delay="0"/>
+                            </p:stCondLst>
+                            <p:childTnLst>
+                              <p:par>
+                                <p:cTn id="5" presetID="1" presetClass="entr" presetSubtype="0" fill="hold" grpId="0" nodeType="afterEffect">
+                                  <p:stCondLst>
+                                    <p:cond delay="0"/>
+                                  </p:stCondLst>
+                                  <p:iterate type="lt">
+                                    <p:tmAbs val="100"/>
+                                  </p:iterate>
+                                  <p:childTnLst>
+                                    <p:set>
+                                      <p:cBhvr>
+                                        <p:cTn id="6" dur="1" fill="hold">
+                                          <p:stCondLst>
+                                            <p:cond delay="0"/>
+                                          </p:stCondLst>
+                                        </p:cTn>
+                                        <p:tgtEl>
+                                          <p:spTgt spid="5"/>
+                                        </p:tgtEl>
+                                        <p:attrNameLst>
+                                          <p:attrName>style.visibility</p:attrName>
+                                        </p:attrNameLst>
+                                      </p:cBhvr>
+                                      <p:to>
+                                        <p:strVal val="visible"/>
+                                      </p:to>
+                                    </p:set>
+                                  </p:childTnLst>
+                                </p:cTn>
+                              </p:par>
+                            </p:childTnLst>
+                          </p:cTn>
+                        </p:par>
+                      </p:childTnLst>
+                    </p:cTn>
+                  </p:par>
+                </p:childTnLst>
+              </p:cTn>
+              <p:prevCondLst>
+                <p:cond evt="onPrev" delay="0">
+                  <p:tgtEl>
+                    <p:sldTgt/>
+                  </p:tgtEl>
+                </p:cond>
+              </p:prevCondLst>
+              <p:nextCondLst>
+                <p:cond evt="onNext" delay="0">
+                  <p:tgtEl>
+                    <p:sldTgt/>
+                  </p:tgtEl>
+                </p:cond>
+              </p:nextCondLst>
+            </p:seq>
+          </p:childTnLst>
+        </p:cTn>
+      </p:par>
+    </p:tnLst>
+    <p:bldLst>
+      <p:bldP spid="5" grpId="0"/>
+    </p:bldLst>
+  </p:timing>
 </p:sld>
 </file>
 
@@ -3410,7 +3927,10 @@
           <a:lstStyle/>
           <a:p>
             <a:r>
-              <a:rPr lang="es-MX" dirty="0"/>
+              <a:rPr lang="es-MX" dirty="0">
+                <a:latin typeface="Atari Font Full Version" panose="02000604000000000000" pitchFamily="2" charset="-128"/>
+                <a:ea typeface="Atari Font Full Version" panose="02000604000000000000" pitchFamily="2" charset="-128"/>
+              </a:rPr>
               <a:t>Equipo de Trabajo</a:t>
             </a:r>
           </a:p>
@@ -3428,12 +3948,17 @@
         </p:nvSpPr>
         <p:spPr/>
         <p:txBody>
-          <a:bodyPr/>
-          <a:lstStyle/>
-          <a:p>
-            <a:r>
-              <a:rPr lang="es-MX" dirty="0"/>
-              <a:t>Martín Linares</a:t>
+          <a:bodyPr>
+            <a:normAutofit/>
+          </a:bodyPr>
+          <a:lstStyle/>
+          <a:p>
+            <a:r>
+              <a:rPr lang="es-MX" sz="3600" b="0" dirty="0">
+                <a:latin typeface="ArcadeClassic" panose="00000400000000000000" pitchFamily="2" charset="0"/>
+                <a:ea typeface="Atari Font Full Version" panose="02000604000000000000" pitchFamily="2" charset="-128"/>
+              </a:rPr>
+              <a:t>Martin Linares</a:t>
             </a:r>
           </a:p>
         </p:txBody>
@@ -3448,26 +3973,32 @@
             <p:ph sz="half" idx="2"/>
           </p:nvPr>
         </p:nvSpPr>
-        <p:spPr/>
+        <p:spPr>
+          <a:xfrm>
+            <a:off x="839787" y="2505075"/>
+            <a:ext cx="5157787" cy="3684588"/>
+          </a:xfrm>
+        </p:spPr>
         <p:txBody>
           <a:bodyPr>
             <a:normAutofit fontScale="62500" lnSpcReduction="20000"/>
           </a:bodyPr>
           <a:lstStyle/>
           <a:p>
-            <a:pPr>
-              <a:buFont typeface="Wingdings" panose="05000000000000000000" pitchFamily="2" charset="2"/>
-              <a:buChar char="q"/>
+            <a:pPr marL="0" indent="0">
+              <a:buNone/>
             </a:pPr>
             <a:r>
-              <a:rPr lang="es-MX" dirty="0"/>
+              <a:rPr lang="es-MX" dirty="0">
+                <a:latin typeface="Hyperspace" panose="02000500000000000000" pitchFamily="2" charset="0"/>
+              </a:rPr>
               <a:t>Mecánica del juego</a:t>
             </a:r>
           </a:p>
           <a:p>
             <a:pPr lvl="1">
-              <a:buFont typeface="Wingdings" panose="05000000000000000000" pitchFamily="2" charset="2"/>
-              <a:buChar char="q"/>
+              <a:buFont typeface="Atari Font Full Version" panose="02000604000000000000" pitchFamily="2" charset="-128"/>
+              <a:buChar char="-"/>
             </a:pPr>
             <a:r>
               <a:rPr lang="es-MX" dirty="0"/>
@@ -3476,8 +4007,8 @@
           </a:p>
           <a:p>
             <a:pPr lvl="1">
-              <a:buFont typeface="Wingdings" panose="05000000000000000000" pitchFamily="2" charset="2"/>
-              <a:buChar char="q"/>
+              <a:buFont typeface="Atari Font Full Version" panose="02000604000000000000" pitchFamily="2" charset="-128"/>
+              <a:buChar char="-"/>
             </a:pPr>
             <a:r>
               <a:rPr lang="es-MX" dirty="0"/>
@@ -3486,8 +4017,8 @@
           </a:p>
           <a:p>
             <a:pPr lvl="1">
-              <a:buFont typeface="Wingdings" panose="05000000000000000000" pitchFamily="2" charset="2"/>
-              <a:buChar char="q"/>
+              <a:buFont typeface="Atari Font Full Version" panose="02000604000000000000" pitchFamily="2" charset="-128"/>
+              <a:buChar char="-"/>
             </a:pPr>
             <a:r>
               <a:rPr lang="es-MX" dirty="0"/>
@@ -3496,8 +4027,8 @@
           </a:p>
           <a:p>
             <a:pPr lvl="1">
-              <a:buFont typeface="Wingdings" panose="05000000000000000000" pitchFamily="2" charset="2"/>
-              <a:buChar char="q"/>
+              <a:buFont typeface="Atari Font Full Version" panose="02000604000000000000" pitchFamily="2" charset="-128"/>
+              <a:buChar char="-"/>
             </a:pPr>
             <a:r>
               <a:rPr lang="es-MX" dirty="0"/>
@@ -3506,8 +4037,8 @@
           </a:p>
           <a:p>
             <a:pPr lvl="1">
-              <a:buFont typeface="Wingdings" panose="05000000000000000000" pitchFamily="2" charset="2"/>
-              <a:buChar char="q"/>
+              <a:buFont typeface="Atari Font Full Version" panose="02000604000000000000" pitchFamily="2" charset="-128"/>
+              <a:buChar char="-"/>
             </a:pPr>
             <a:r>
               <a:rPr lang="es-MX" dirty="0"/>
@@ -3515,19 +4046,20 @@
             </a:r>
           </a:p>
           <a:p>
-            <a:pPr>
-              <a:buFont typeface="Wingdings" panose="05000000000000000000" pitchFamily="2" charset="2"/>
-              <a:buChar char="q"/>
+            <a:pPr marL="0" indent="0">
+              <a:buNone/>
             </a:pPr>
             <a:r>
-              <a:rPr lang="es-MX" dirty="0"/>
+              <a:rPr lang="es-MX" dirty="0">
+                <a:latin typeface="Hyperspace" panose="02000500000000000000" pitchFamily="2" charset="0"/>
+              </a:rPr>
               <a:t>Gráficos</a:t>
             </a:r>
           </a:p>
           <a:p>
             <a:pPr lvl="1">
-              <a:buFont typeface="Wingdings" panose="05000000000000000000" pitchFamily="2" charset="2"/>
-              <a:buChar char="q"/>
+              <a:buFont typeface="Atari Font Full Version" panose="02000604000000000000" pitchFamily="2" charset="-128"/>
+              <a:buChar char="-"/>
             </a:pPr>
             <a:r>
               <a:rPr lang="es-MX" dirty="0"/>
@@ -3536,8 +4068,8 @@
           </a:p>
           <a:p>
             <a:pPr lvl="2">
-              <a:buFont typeface="Wingdings" panose="05000000000000000000" pitchFamily="2" charset="2"/>
-              <a:buChar char="q"/>
+              <a:buFont typeface="Atari Font Full Version" panose="02000604000000000000" pitchFamily="2" charset="-128"/>
+              <a:buChar char="-"/>
             </a:pPr>
             <a:r>
               <a:rPr lang="es-MX" dirty="0"/>
@@ -3546,8 +4078,8 @@
           </a:p>
           <a:p>
             <a:pPr lvl="2">
-              <a:buFont typeface="Wingdings" panose="05000000000000000000" pitchFamily="2" charset="2"/>
-              <a:buChar char="q"/>
+              <a:buFont typeface="Atari Font Full Version" panose="02000604000000000000" pitchFamily="2" charset="-128"/>
+              <a:buChar char="-"/>
             </a:pPr>
             <a:r>
               <a:rPr lang="es-MX" dirty="0"/>
@@ -3556,8 +4088,8 @@
           </a:p>
           <a:p>
             <a:pPr lvl="2">
-              <a:buFont typeface="Wingdings" panose="05000000000000000000" pitchFamily="2" charset="2"/>
-              <a:buChar char="q"/>
+              <a:buFont typeface="Atari Font Full Version" panose="02000604000000000000" pitchFamily="2" charset="-128"/>
+              <a:buChar char="-"/>
             </a:pPr>
             <a:r>
               <a:rPr lang="es-MX" dirty="0"/>
@@ -3566,8 +4098,8 @@
           </a:p>
           <a:p>
             <a:pPr lvl="2">
-              <a:buFont typeface="Wingdings" panose="05000000000000000000" pitchFamily="2" charset="2"/>
-              <a:buChar char="q"/>
+              <a:buFont typeface="Atari Font Full Version" panose="02000604000000000000" pitchFamily="2" charset="-128"/>
+              <a:buChar char="-"/>
             </a:pPr>
             <a:r>
               <a:rPr lang="es-MX" dirty="0"/>
@@ -3576,8 +4108,8 @@
           </a:p>
           <a:p>
             <a:pPr lvl="1">
-              <a:buFont typeface="Wingdings" panose="05000000000000000000" pitchFamily="2" charset="2"/>
-              <a:buChar char="q"/>
+              <a:buFont typeface="Atari Font Full Version" panose="02000604000000000000" pitchFamily="2" charset="-128"/>
+              <a:buChar char="-"/>
             </a:pPr>
             <a:r>
               <a:rPr lang="es-MX" dirty="0"/>
@@ -3586,8 +4118,8 @@
           </a:p>
           <a:p>
             <a:pPr lvl="1">
-              <a:buFont typeface="Wingdings" panose="05000000000000000000" pitchFamily="2" charset="2"/>
-              <a:buChar char="q"/>
+              <a:buFont typeface="Atari Font Full Version" panose="02000604000000000000" pitchFamily="2" charset="-128"/>
+              <a:buChar char="-"/>
             </a:pPr>
             <a:r>
               <a:rPr lang="es-MX" dirty="0"/>
@@ -3595,12 +4127,13 @@
             </a:r>
           </a:p>
           <a:p>
-            <a:pPr>
-              <a:buFont typeface="Wingdings" panose="05000000000000000000" pitchFamily="2" charset="2"/>
-              <a:buChar char="q"/>
+            <a:pPr marL="0" indent="0">
+              <a:buNone/>
             </a:pPr>
             <a:r>
-              <a:rPr lang="es-MX" dirty="0"/>
+              <a:rPr lang="es-MX" dirty="0">
+                <a:latin typeface="Hyperspace" panose="02000500000000000000" pitchFamily="2" charset="0"/>
+              </a:rPr>
               <a:t>Conexión y servidor</a:t>
             </a:r>
           </a:p>
@@ -3618,11 +4151,15 @@
         </p:nvSpPr>
         <p:spPr/>
         <p:txBody>
-          <a:bodyPr/>
-          <a:lstStyle/>
-          <a:p>
-            <a:r>
-              <a:rPr lang="es-MX" dirty="0"/>
+          <a:bodyPr>
+            <a:normAutofit/>
+          </a:bodyPr>
+          <a:lstStyle/>
+          <a:p>
+            <a:r>
+              <a:rPr lang="es-MX" sz="3600" b="0" dirty="0">
+                <a:latin typeface="ArcadeClassic" panose="00000400000000000000" pitchFamily="2" charset="0"/>
+              </a:rPr>
               <a:t>Mariana Sierra</a:t>
             </a:r>
           </a:p>
@@ -3645,19 +4182,20 @@
           </a:bodyPr>
           <a:lstStyle/>
           <a:p>
-            <a:pPr>
-              <a:buFont typeface="Wingdings" panose="05000000000000000000" pitchFamily="2" charset="2"/>
-              <a:buChar char="q"/>
+            <a:pPr marL="0" indent="0">
+              <a:buNone/>
             </a:pPr>
             <a:r>
-              <a:rPr lang="es-MX" dirty="0"/>
+              <a:rPr lang="es-MX" dirty="0">
+                <a:latin typeface="Hyperspace" panose="02000500000000000000" pitchFamily="2" charset="0"/>
+              </a:rPr>
               <a:t>Motor del juego</a:t>
             </a:r>
           </a:p>
           <a:p>
             <a:pPr lvl="1">
-              <a:buFont typeface="Wingdings" panose="05000000000000000000" pitchFamily="2" charset="2"/>
-              <a:buChar char="q"/>
+              <a:buFont typeface="Atari Font Full Version" panose="02000604000000000000" pitchFamily="2" charset="-128"/>
+              <a:buChar char="-"/>
             </a:pPr>
             <a:r>
               <a:rPr lang="es-MX" dirty="0"/>
@@ -3666,8 +4204,8 @@
           </a:p>
           <a:p>
             <a:pPr lvl="1">
-              <a:buFont typeface="Wingdings" panose="05000000000000000000" pitchFamily="2" charset="2"/>
-              <a:buChar char="q"/>
+              <a:buFont typeface="Atari Font Full Version" panose="02000604000000000000" pitchFamily="2" charset="-128"/>
+              <a:buChar char="-"/>
             </a:pPr>
             <a:r>
               <a:rPr lang="es-MX" dirty="0"/>
@@ -3676,8 +4214,8 @@
           </a:p>
           <a:p>
             <a:pPr lvl="1">
-              <a:buFont typeface="Wingdings" panose="05000000000000000000" pitchFamily="2" charset="2"/>
-              <a:buChar char="q"/>
+              <a:buFont typeface="Atari Font Full Version" panose="02000604000000000000" pitchFamily="2" charset="-128"/>
+              <a:buChar char="-"/>
             </a:pPr>
             <a:r>
               <a:rPr lang="es-MX" dirty="0"/>
@@ -3686,8 +4224,8 @@
           </a:p>
           <a:p>
             <a:pPr lvl="1">
-              <a:buFont typeface="Wingdings" panose="05000000000000000000" pitchFamily="2" charset="2"/>
-              <a:buChar char="q"/>
+              <a:buFont typeface="Atari Font Full Version" panose="02000604000000000000" pitchFamily="2" charset="-128"/>
+              <a:buChar char="-"/>
             </a:pPr>
             <a:r>
               <a:rPr lang="es-MX" dirty="0"/>
@@ -3696,8 +4234,8 @@
           </a:p>
           <a:p>
             <a:pPr lvl="1">
-              <a:buFont typeface="Wingdings" panose="05000000000000000000" pitchFamily="2" charset="2"/>
-              <a:buChar char="q"/>
+              <a:buFont typeface="Atari Font Full Version" panose="02000604000000000000" pitchFamily="2" charset="-128"/>
+              <a:buChar char="-"/>
             </a:pPr>
             <a:r>
               <a:rPr lang="es-MX" dirty="0"/>
@@ -3706,8 +4244,8 @@
           </a:p>
           <a:p>
             <a:pPr lvl="1">
-              <a:buFont typeface="Wingdings" panose="05000000000000000000" pitchFamily="2" charset="2"/>
-              <a:buChar char="q"/>
+              <a:buFont typeface="Atari Font Full Version" panose="02000604000000000000" pitchFamily="2" charset="-128"/>
+              <a:buChar char="-"/>
             </a:pPr>
             <a:r>
               <a:rPr lang="es-MX" dirty="0"/>
@@ -3716,8 +4254,8 @@
           </a:p>
           <a:p>
             <a:pPr lvl="1">
-              <a:buFont typeface="Wingdings" panose="05000000000000000000" pitchFamily="2" charset="2"/>
-              <a:buChar char="q"/>
+              <a:buFont typeface="Atari Font Full Version" panose="02000604000000000000" pitchFamily="2" charset="-128"/>
+              <a:buChar char="-"/>
             </a:pPr>
             <a:r>
               <a:rPr lang="es-MX" dirty="0" err="1"/>
@@ -3726,19 +4264,20 @@
             <a:endParaRPr lang="es-MX" dirty="0"/>
           </a:p>
           <a:p>
-            <a:pPr>
-              <a:buFont typeface="Wingdings" panose="05000000000000000000" pitchFamily="2" charset="2"/>
-              <a:buChar char="q"/>
+            <a:pPr marL="0" indent="0">
+              <a:buNone/>
             </a:pPr>
             <a:r>
-              <a:rPr lang="es-MX" dirty="0"/>
+              <a:rPr lang="es-MX" dirty="0">
+                <a:latin typeface="Hyperspace" panose="02000500000000000000" pitchFamily="2" charset="0"/>
+              </a:rPr>
               <a:t>Gráficos</a:t>
             </a:r>
           </a:p>
           <a:p>
             <a:pPr lvl="1">
-              <a:buFont typeface="Wingdings" panose="05000000000000000000" pitchFamily="2" charset="2"/>
-              <a:buChar char="q"/>
+              <a:buFont typeface="Atari Font Full Version" panose="02000604000000000000" pitchFamily="2" charset="-128"/>
+              <a:buChar char="-"/>
             </a:pPr>
             <a:r>
               <a:rPr lang="es-MX" dirty="0"/>
@@ -3747,8 +4286,8 @@
           </a:p>
           <a:p>
             <a:pPr lvl="1">
-              <a:buFont typeface="Wingdings" panose="05000000000000000000" pitchFamily="2" charset="2"/>
-              <a:buChar char="q"/>
+              <a:buFont typeface="Atari Font Full Version" panose="02000604000000000000" pitchFamily="2" charset="-128"/>
+              <a:buChar char="-"/>
             </a:pPr>
             <a:r>
               <a:rPr lang="es-MX" dirty="0"/>
@@ -3757,8 +4296,8 @@
           </a:p>
           <a:p>
             <a:pPr lvl="1">
-              <a:buFont typeface="Wingdings" panose="05000000000000000000" pitchFamily="2" charset="2"/>
-              <a:buChar char="q"/>
+              <a:buFont typeface="Atari Font Full Version" panose="02000604000000000000" pitchFamily="2" charset="-128"/>
+              <a:buChar char="-"/>
             </a:pPr>
             <a:r>
               <a:rPr lang="es-MX" dirty="0"/>
@@ -3766,12 +4305,13 @@
             </a:r>
           </a:p>
           <a:p>
-            <a:pPr>
-              <a:buFont typeface="Wingdings" panose="05000000000000000000" pitchFamily="2" charset="2"/>
-              <a:buChar char="q"/>
+            <a:pPr marL="0" indent="0">
+              <a:buNone/>
             </a:pPr>
             <a:r>
-              <a:rPr lang="es-MX" dirty="0"/>
+              <a:rPr lang="es-MX" dirty="0">
+                <a:latin typeface="Hyperspace" panose="02000500000000000000" pitchFamily="2" charset="0"/>
+              </a:rPr>
               <a:t>Conexión y servidor</a:t>
             </a:r>
           </a:p>
@@ -3787,6 +4327,321 @@
   <p:clrMapOvr>
     <a:masterClrMapping/>
   </p:clrMapOvr>
+  <p:timing>
+    <p:tnLst>
+      <p:par>
+        <p:cTn id="1" dur="indefinite" restart="never" nodeType="tmRoot">
+          <p:childTnLst>
+            <p:seq concurrent="1" nextAc="seek">
+              <p:cTn id="2" dur="indefinite" nodeType="mainSeq">
+                <p:childTnLst>
+                  <p:par>
+                    <p:cTn id="3" fill="hold">
+                      <p:stCondLst>
+                        <p:cond delay="indefinite"/>
+                        <p:cond evt="onBegin" delay="0">
+                          <p:tn val="2"/>
+                        </p:cond>
+                      </p:stCondLst>
+                      <p:childTnLst>
+                        <p:par>
+                          <p:cTn id="4" fill="hold">
+                            <p:stCondLst>
+                              <p:cond delay="0"/>
+                            </p:stCondLst>
+                            <p:childTnLst>
+                              <p:par>
+                                <p:cTn id="5" presetID="1" presetClass="entr" presetSubtype="0" fill="hold" grpId="0" nodeType="afterEffect">
+                                  <p:stCondLst>
+                                    <p:cond delay="0"/>
+                                  </p:stCondLst>
+                                  <p:iterate type="lt">
+                                    <p:tmAbs val="100"/>
+                                  </p:iterate>
+                                  <p:childTnLst>
+                                    <p:set>
+                                      <p:cBhvr>
+                                        <p:cTn id="6" dur="1" fill="hold">
+                                          <p:stCondLst>
+                                            <p:cond delay="0"/>
+                                          </p:stCondLst>
+                                        </p:cTn>
+                                        <p:tgtEl>
+                                          <p:spTgt spid="2"/>
+                                        </p:tgtEl>
+                                        <p:attrNameLst>
+                                          <p:attrName>style.visibility</p:attrName>
+                                        </p:attrNameLst>
+                                      </p:cBhvr>
+                                      <p:to>
+                                        <p:strVal val="visible"/>
+                                      </p:to>
+                                    </p:set>
+                                  </p:childTnLst>
+                                </p:cTn>
+                              </p:par>
+                            </p:childTnLst>
+                          </p:cTn>
+                        </p:par>
+                        <p:par>
+                          <p:cTn id="7" fill="hold">
+                            <p:stCondLst>
+                              <p:cond delay="1401"/>
+                            </p:stCondLst>
+                            <p:childTnLst>
+                              <p:par>
+                                <p:cTn id="8" presetID="1" presetClass="entr" presetSubtype="0" fill="hold" nodeType="afterEffect">
+                                  <p:stCondLst>
+                                    <p:cond delay="0"/>
+                                  </p:stCondLst>
+                                  <p:iterate type="lt">
+                                    <p:tmAbs val="100"/>
+                                  </p:iterate>
+                                  <p:childTnLst>
+                                    <p:set>
+                                      <p:cBhvr>
+                                        <p:cTn id="9" dur="1" fill="hold">
+                                          <p:stCondLst>
+                                            <p:cond delay="0"/>
+                                          </p:stCondLst>
+                                        </p:cTn>
+                                        <p:tgtEl>
+                                          <p:spTgt spid="3">
+                                            <p:txEl>
+                                              <p:pRg st="0" end="0"/>
+                                            </p:txEl>
+                                          </p:spTgt>
+                                        </p:tgtEl>
+                                        <p:attrNameLst>
+                                          <p:attrName>style.visibility</p:attrName>
+                                        </p:attrNameLst>
+                                      </p:cBhvr>
+                                      <p:to>
+                                        <p:strVal val="visible"/>
+                                      </p:to>
+                                    </p:set>
+                                  </p:childTnLst>
+                                </p:cTn>
+                              </p:par>
+                            </p:childTnLst>
+                          </p:cTn>
+                        </p:par>
+                        <p:par>
+                          <p:cTn id="10" fill="hold">
+                            <p:stCondLst>
+                              <p:cond delay="2602"/>
+                            </p:stCondLst>
+                            <p:childTnLst>
+                              <p:par>
+                                <p:cTn id="11" presetID="1" presetClass="entr" presetSubtype="0" fill="hold" nodeType="afterEffect">
+                                  <p:stCondLst>
+                                    <p:cond delay="0"/>
+                                  </p:stCondLst>
+                                  <p:iterate type="lt">
+                                    <p:tmAbs val="100"/>
+                                  </p:iterate>
+                                  <p:childTnLst>
+                                    <p:set>
+                                      <p:cBhvr>
+                                        <p:cTn id="12" dur="1" fill="hold">
+                                          <p:stCondLst>
+                                            <p:cond delay="0"/>
+                                          </p:stCondLst>
+                                        </p:cTn>
+                                        <p:tgtEl>
+                                          <p:spTgt spid="5">
+                                            <p:txEl>
+                                              <p:pRg st="0" end="0"/>
+                                            </p:txEl>
+                                          </p:spTgt>
+                                        </p:tgtEl>
+                                        <p:attrNameLst>
+                                          <p:attrName>style.visibility</p:attrName>
+                                        </p:attrNameLst>
+                                      </p:cBhvr>
+                                      <p:to>
+                                        <p:strVal val="visible"/>
+                                      </p:to>
+                                    </p:set>
+                                  </p:childTnLst>
+                                </p:cTn>
+                              </p:par>
+                            </p:childTnLst>
+                          </p:cTn>
+                        </p:par>
+                      </p:childTnLst>
+                    </p:cTn>
+                  </p:par>
+                </p:childTnLst>
+              </p:cTn>
+              <p:prevCondLst>
+                <p:cond evt="onPrev" delay="0">
+                  <p:tgtEl>
+                    <p:sldTgt/>
+                  </p:tgtEl>
+                </p:cond>
+              </p:prevCondLst>
+              <p:nextCondLst>
+                <p:cond evt="onNext" delay="0">
+                  <p:tgtEl>
+                    <p:sldTgt/>
+                  </p:tgtEl>
+                </p:cond>
+              </p:nextCondLst>
+            </p:seq>
+          </p:childTnLst>
+        </p:cTn>
+      </p:par>
+    </p:tnLst>
+    <p:bldLst>
+      <p:bldP spid="2" grpId="0"/>
+    </p:bldLst>
+  </p:timing>
+</p:sld>
+</file>
+
+<file path=ppt/slides/slide5.xml><?xml version="1.0" encoding="utf-8"?>
+<p:sld xmlns:a="http://schemas.openxmlformats.org/drawingml/2006/main" xmlns:r="http://schemas.openxmlformats.org/officeDocument/2006/relationships" xmlns:p="http://schemas.openxmlformats.org/presentationml/2006/main">
+  <p:cSld>
+    <p:spTree>
+      <p:nvGrpSpPr>
+        <p:cNvPr id="1" name=""/>
+        <p:cNvGrpSpPr/>
+        <p:nvPr/>
+      </p:nvGrpSpPr>
+      <p:grpSpPr>
+        <a:xfrm>
+          <a:off x="0" y="0"/>
+          <a:ext cx="0" cy="0"/>
+          <a:chOff x="0" y="0"/>
+          <a:chExt cx="0" cy="0"/>
+        </a:xfrm>
+      </p:grpSpPr>
+      <p:sp>
+        <p:nvSpPr>
+          <p:cNvPr id="7" name="Título 6"/>
+          <p:cNvSpPr>
+            <a:spLocks noGrp="1"/>
+          </p:cNvSpPr>
+          <p:nvPr>
+            <p:ph type="ctrTitle"/>
+          </p:nvPr>
+        </p:nvSpPr>
+        <p:spPr>
+          <a:xfrm>
+            <a:off x="0" y="1538978"/>
+            <a:ext cx="12192000" cy="3289695"/>
+          </a:xfrm>
+        </p:spPr>
+        <p:txBody>
+          <a:bodyPr>
+            <a:noAutofit/>
+          </a:bodyPr>
+          <a:lstStyle/>
+          <a:p>
+            <a:r>
+              <a:rPr lang="es-MX" sz="23900" dirty="0">
+                <a:latin typeface="ArcadeClassic" panose="00000400000000000000" pitchFamily="2" charset="0"/>
+              </a:rPr>
+              <a:t>SHAPES</a:t>
+            </a:r>
+          </a:p>
+        </p:txBody>
+      </p:sp>
+    </p:spTree>
+    <p:extLst>
+      <p:ext uri="{BB962C8B-B14F-4D97-AF65-F5344CB8AC3E}">
+        <p14:creationId xmlns:p14="http://schemas.microsoft.com/office/powerpoint/2010/main" val="1564911327"/>
+      </p:ext>
+    </p:extLst>
+  </p:cSld>
+  <p:clrMapOvr>
+    <a:masterClrMapping/>
+  </p:clrMapOvr>
+  <p:timing>
+    <p:tnLst>
+      <p:par>
+        <p:cTn id="1" dur="indefinite" restart="never" nodeType="tmRoot">
+          <p:childTnLst>
+            <p:seq concurrent="1" nextAc="seek">
+              <p:cTn id="2" dur="indefinite" nodeType="mainSeq">
+                <p:childTnLst>
+                  <p:par>
+                    <p:cTn id="3" fill="hold">
+                      <p:stCondLst>
+                        <p:cond delay="indefinite"/>
+                        <p:cond evt="onBegin" delay="0">
+                          <p:tn val="2"/>
+                        </p:cond>
+                      </p:stCondLst>
+                      <p:childTnLst>
+                        <p:par>
+                          <p:cTn id="4" fill="hold">
+                            <p:stCondLst>
+                              <p:cond delay="0"/>
+                            </p:stCondLst>
+                            <p:childTnLst>
+                              <p:par>
+                                <p:cTn id="5" presetID="1" presetClass="entr" presetSubtype="0" fill="hold" grpId="0" nodeType="afterEffect">
+                                  <p:stCondLst>
+                                    <p:cond delay="0"/>
+                                  </p:stCondLst>
+                                  <p:iterate type="lt">
+                                    <p:tmAbs val="200"/>
+                                  </p:iterate>
+                                  <p:childTnLst>
+                                    <p:set>
+                                      <p:cBhvr>
+                                        <p:cTn id="6" dur="1" fill="hold">
+                                          <p:stCondLst>
+                                            <p:cond delay="0"/>
+                                          </p:stCondLst>
+                                        </p:cTn>
+                                        <p:tgtEl>
+                                          <p:spTgt spid="7"/>
+                                        </p:tgtEl>
+                                        <p:attrNameLst>
+                                          <p:attrName>style.visibility</p:attrName>
+                                        </p:attrNameLst>
+                                      </p:cBhvr>
+                                      <p:to>
+                                        <p:strVal val="visible"/>
+                                      </p:to>
+                                    </p:set>
+                                  </p:childTnLst>
+                                </p:cTn>
+                              </p:par>
+                            </p:childTnLst>
+                          </p:cTn>
+                        </p:par>
+                      </p:childTnLst>
+                    </p:cTn>
+                  </p:par>
+                </p:childTnLst>
+              </p:cTn>
+              <p:prevCondLst>
+                <p:cond evt="onPrev" delay="0">
+                  <p:tgtEl>
+                    <p:sldTgt/>
+                  </p:tgtEl>
+                </p:cond>
+              </p:prevCondLst>
+              <p:nextCondLst>
+                <p:cond evt="onNext" delay="0">
+                  <p:tgtEl>
+                    <p:sldTgt/>
+                  </p:tgtEl>
+                </p:cond>
+              </p:nextCondLst>
+            </p:seq>
+          </p:childTnLst>
+        </p:cTn>
+      </p:par>
+    </p:tnLst>
+    <p:bldLst>
+      <p:bldP spid="7" grpId="0"/>
+    </p:bldLst>
+  </p:timing>
 </p:sld>
 </file>
 

--- a/Inserte nombre aquí-.pptx
+++ b/Inserte nombre aquí-.pptx
@@ -3353,28 +3353,35 @@
           </a:p>
         </p:txBody>
       </p:sp>
-      <p:sp>
-        <p:nvSpPr>
-          <p:cNvPr id="3" name="Marcador de contenido 2"/>
-          <p:cNvSpPr>
-            <a:spLocks noGrp="1"/>
-          </p:cNvSpPr>
+      <p:pic>
+        <p:nvPicPr>
+          <p:cNvPr id="5" name="Marcador de contenido 4"/>
+          <p:cNvPicPr>
+            <a:picLocks noGrp="1" noChangeAspect="1"/>
+          </p:cNvPicPr>
           <p:nvPr>
             <p:ph idx="1"/>
           </p:nvPr>
-        </p:nvSpPr>
-        <p:spPr/>
-        <p:txBody>
-          <a:bodyPr/>
-          <a:lstStyle/>
-          <a:p>
-            <a:pPr marL="0" indent="0">
-              <a:buNone/>
-            </a:pPr>
-            <a:endParaRPr lang="es-MX" dirty="0"/>
-          </a:p>
-        </p:txBody>
-      </p:sp>
+        </p:nvPicPr>
+        <p:blipFill>
+          <a:blip r:embed="rId2">
+            <a:extLst>
+              <a:ext uri="{28A0092B-C50C-407E-A947-70E740481C1C}">
+                <a14:useLocalDpi xmlns:a14="http://schemas.microsoft.com/office/drawing/2010/main" val="0"/>
+              </a:ext>
+            </a:extLst>
+          </a:blip>
+          <a:stretch>
+            <a:fillRect/>
+          </a:stretch>
+        </p:blipFill>
+        <p:spPr>
+          <a:xfrm>
+            <a:off x="5540997" y="1268896"/>
+            <a:ext cx="6172200" cy="3994219"/>
+          </a:xfrm>
+        </p:spPr>
+      </p:pic>
       <p:sp>
         <p:nvSpPr>
           <p:cNvPr id="4" name="Marcador de texto 3"/>

--- a/Inserte nombre aquí-.pptx
+++ b/Inserte nombre aquí-.pptx
@@ -3000,14 +3000,11 @@
           <a:lstStyle/>
           <a:p>
             <a:r>
-              <a:rPr lang="es-MX" sz="16600" dirty="0" err="1">
+              <a:rPr lang="es-MX" sz="16600" dirty="0">
                 <a:latin typeface="ArcadeClassic" panose="00000400000000000000" pitchFamily="2" charset="0"/>
               </a:rPr>
-              <a:t>shapes</a:t>
-            </a:r>
-            <a:endParaRPr lang="es-MX" sz="16600" dirty="0">
-              <a:latin typeface="ArcadeClassic" panose="00000400000000000000" pitchFamily="2" charset="0"/>
-            </a:endParaRPr>
+              <a:t>TBD</a:t>
+            </a:r>
           </a:p>
         </p:txBody>
       </p:sp>
@@ -3185,7 +3182,7 @@
                         <p:par>
                           <p:cTn id="7" fill="hold">
                             <p:stCondLst>
-                              <p:cond delay="1001"/>
+                              <p:cond delay="401"/>
                             </p:stCondLst>
                             <p:childTnLst>
                               <p:par>
@@ -3228,7 +3225,7 @@
                         <p:par>
                           <p:cTn id="10" fill="hold">
                             <p:stCondLst>
-                              <p:cond delay="2902"/>
+                              <p:cond delay="2302"/>
                             </p:stCondLst>
                             <p:childTnLst>
                               <p:par>
@@ -4547,11 +4544,31 @@
           <a:lstStyle/>
           <a:p>
             <a:r>
-              <a:rPr lang="es-MX" sz="23900" dirty="0">
+              <a:rPr lang="es-MX" sz="9600" dirty="0">
                 <a:latin typeface="ArcadeClassic" panose="00000400000000000000" pitchFamily="2" charset="0"/>
               </a:rPr>
-              <a:t>SHAPES</a:t>
-            </a:r>
+              <a:t>TBD</a:t>
+            </a:r>
+            <a:br>
+              <a:rPr lang="es-MX" sz="9600" dirty="0">
+                <a:latin typeface="ArcadeClassic" panose="00000400000000000000" pitchFamily="2" charset="0"/>
+              </a:rPr>
+            </a:br>
+            <a:r>
+              <a:rPr lang="es-MX" sz="9600" dirty="0">
+                <a:latin typeface="ArcadeClassic" panose="00000400000000000000" pitchFamily="2" charset="0"/>
+              </a:rPr>
+              <a:t>to be </a:t>
+            </a:r>
+            <a:r>
+              <a:rPr lang="es-MX" sz="9600" dirty="0" err="1">
+                <a:latin typeface="ArcadeClassic" panose="00000400000000000000" pitchFamily="2" charset="0"/>
+              </a:rPr>
+              <a:t>decided</a:t>
+            </a:r>
+            <a:endParaRPr lang="es-MX" sz="9600" dirty="0">
+              <a:latin typeface="ArcadeClassic" panose="00000400000000000000" pitchFamily="2" charset="0"/>
+            </a:endParaRPr>
           </a:p>
         </p:txBody>
       </p:sp>
